--- a/docs/diagrams/UndoRedoNewCommand4StateListDiagram.pptx
+++ b/docs/diagrams/UndoRedoNewCommand4StateListDiagram.pptx
@@ -112,10 +112,6 @@
 </p:presentation>
 </file>
 
-<file path=ppt/revisionInfo.xml><?xml version="1.0" encoding="utf-8"?>
-<p1510:revInfo xmlns:a="http://schemas.openxmlformats.org/drawingml/2006/main" xmlns:r="http://schemas.openxmlformats.org/officeDocument/2006/relationships" xmlns:p1510="http://schemas.microsoft.com/office/powerpoint/2015/10/main"/>
-</file>
-
 <file path=ppt/slideLayouts/slideLayout1.xml><?xml version="1.0" encoding="utf-8"?>
 <p:sldLayout xmlns:a="http://schemas.openxmlformats.org/drawingml/2006/main" xmlns:r="http://schemas.openxmlformats.org/officeDocument/2006/relationships" xmlns:p="http://schemas.openxmlformats.org/presentationml/2006/main" type="title" preserve="1">
   <p:cSld name="Title Slide">
@@ -265,7 +261,7 @@
           <a:p>
             <a:fld id="{03EC4E3E-8101-482F-A883-8B55DAFF7C07}" type="datetimeFigureOut">
               <a:rPr lang="en-SG" smtClean="0"/>
-              <a:t>6/7/2018</a:t>
+              <a:t>14/4/19</a:t>
             </a:fld>
             <a:endParaRPr lang="en-SG"/>
           </a:p>
@@ -465,7 +461,7 @@
           <a:p>
             <a:fld id="{03EC4E3E-8101-482F-A883-8B55DAFF7C07}" type="datetimeFigureOut">
               <a:rPr lang="en-SG" smtClean="0"/>
-              <a:t>6/7/2018</a:t>
+              <a:t>14/4/19</a:t>
             </a:fld>
             <a:endParaRPr lang="en-SG"/>
           </a:p>
@@ -675,7 +671,7 @@
           <a:p>
             <a:fld id="{03EC4E3E-8101-482F-A883-8B55DAFF7C07}" type="datetimeFigureOut">
               <a:rPr lang="en-SG" smtClean="0"/>
-              <a:t>6/7/2018</a:t>
+              <a:t>14/4/19</a:t>
             </a:fld>
             <a:endParaRPr lang="en-SG"/>
           </a:p>
@@ -875,7 +871,7 @@
           <a:p>
             <a:fld id="{03EC4E3E-8101-482F-A883-8B55DAFF7C07}" type="datetimeFigureOut">
               <a:rPr lang="en-SG" smtClean="0"/>
-              <a:t>6/7/2018</a:t>
+              <a:t>14/4/19</a:t>
             </a:fld>
             <a:endParaRPr lang="en-SG"/>
           </a:p>
@@ -1151,7 +1147,7 @@
           <a:p>
             <a:fld id="{03EC4E3E-8101-482F-A883-8B55DAFF7C07}" type="datetimeFigureOut">
               <a:rPr lang="en-SG" smtClean="0"/>
-              <a:t>6/7/2018</a:t>
+              <a:t>14/4/19</a:t>
             </a:fld>
             <a:endParaRPr lang="en-SG"/>
           </a:p>
@@ -1419,7 +1415,7 @@
           <a:p>
             <a:fld id="{03EC4E3E-8101-482F-A883-8B55DAFF7C07}" type="datetimeFigureOut">
               <a:rPr lang="en-SG" smtClean="0"/>
-              <a:t>6/7/2018</a:t>
+              <a:t>14/4/19</a:t>
             </a:fld>
             <a:endParaRPr lang="en-SG"/>
           </a:p>
@@ -1834,7 +1830,7 @@
           <a:p>
             <a:fld id="{03EC4E3E-8101-482F-A883-8B55DAFF7C07}" type="datetimeFigureOut">
               <a:rPr lang="en-SG" smtClean="0"/>
-              <a:t>6/7/2018</a:t>
+              <a:t>14/4/19</a:t>
             </a:fld>
             <a:endParaRPr lang="en-SG"/>
           </a:p>
@@ -1976,7 +1972,7 @@
           <a:p>
             <a:fld id="{03EC4E3E-8101-482F-A883-8B55DAFF7C07}" type="datetimeFigureOut">
               <a:rPr lang="en-SG" smtClean="0"/>
-              <a:t>6/7/2018</a:t>
+              <a:t>14/4/19</a:t>
             </a:fld>
             <a:endParaRPr lang="en-SG"/>
           </a:p>
@@ -2089,7 +2085,7 @@
           <a:p>
             <a:fld id="{03EC4E3E-8101-482F-A883-8B55DAFF7C07}" type="datetimeFigureOut">
               <a:rPr lang="en-SG" smtClean="0"/>
-              <a:t>6/7/2018</a:t>
+              <a:t>14/4/19</a:t>
             </a:fld>
             <a:endParaRPr lang="en-SG"/>
           </a:p>
@@ -2402,7 +2398,7 @@
           <a:p>
             <a:fld id="{03EC4E3E-8101-482F-A883-8B55DAFF7C07}" type="datetimeFigureOut">
               <a:rPr lang="en-SG" smtClean="0"/>
-              <a:t>6/7/2018</a:t>
+              <a:t>14/4/19</a:t>
             </a:fld>
             <a:endParaRPr lang="en-SG"/>
           </a:p>
@@ -2691,7 +2687,7 @@
           <a:p>
             <a:fld id="{03EC4E3E-8101-482F-A883-8B55DAFF7C07}" type="datetimeFigureOut">
               <a:rPr lang="en-SG" smtClean="0"/>
-              <a:t>6/7/2018</a:t>
+              <a:t>14/4/19</a:t>
             </a:fld>
             <a:endParaRPr lang="en-SG"/>
           </a:p>
@@ -2934,7 +2930,7 @@
           <a:p>
             <a:fld id="{03EC4E3E-8101-482F-A883-8B55DAFF7C07}" type="datetimeFigureOut">
               <a:rPr lang="en-SG" smtClean="0"/>
-              <a:t>6/7/2018</a:t>
+              <a:t>14/4/19</a:t>
             </a:fld>
             <a:endParaRPr lang="en-SG"/>
           </a:p>
@@ -3450,12 +3446,8 @@
           <a:p>
             <a:pPr algn="ctr"/>
             <a:r>
-              <a:rPr lang="en-SG"/>
-              <a:t>State ab2 </a:t>
-            </a:r>
-            <a:r>
               <a:rPr lang="en-SG" dirty="0"/>
-              <a:t>deleted.</a:t>
+              <a:t>State cc2 deleted.</a:t>
             </a:r>
           </a:p>
         </p:txBody>
@@ -3655,14 +3647,14 @@
           <p:nvPr>
             <p:extLst>
               <p:ext uri="{D42A27DB-BD31-4B8C-83A1-F6EECF244321}">
-                <p14:modId xmlns:p14="http://schemas.microsoft.com/office/powerpoint/2010/main" val="1352982134"/>
+                <p14:modId xmlns:p14="http://schemas.microsoft.com/office/powerpoint/2010/main" val="3405431095"/>
               </p:ext>
             </p:extLst>
           </p:nvPr>
         </p:nvGraphicFramePr>
         <p:xfrm>
           <a:off x="473240" y="1476102"/>
-          <a:ext cx="1825824" cy="417888"/>
+          <a:ext cx="1926000" cy="417888"/>
         </p:xfrm>
         <a:graphic>
           <a:graphicData uri="http://schemas.openxmlformats.org/drawingml/2006/table">
@@ -3671,7 +3663,7 @@
                 <a:tableStyleId>{638B1855-1B75-4FBE-930C-398BA8C253C6}</a:tableStyleId>
               </a:tblPr>
               <a:tblGrid>
-                <a:gridCol w="1825824">
+                <a:gridCol w="1926000">
                   <a:extLst>
                     <a:ext uri="{9D8B030D-6E8A-4147-A177-3AD203B41FA5}">
                       <a16:colId xmlns:a16="http://schemas.microsoft.com/office/drawing/2014/main" val="4240773277"/>
@@ -3687,13 +3679,8 @@
                     <a:p>
                       <a:r>
                         <a:rPr lang="en-SG" u="sng" dirty="0"/>
-                        <a:t>ab0:</a:t>
+                        <a:t>cc0:CardCollection</a:t>
                       </a:r>
-                      <a:r>
-                        <a:rPr lang="en-SG" sz="1800" u="sng" dirty="0"/>
-                        <a:t>AddressBook</a:t>
-                      </a:r>
-                      <a:endParaRPr lang="en-SG" u="sng" dirty="0"/>
                     </a:p>
                   </a:txBody>
                   <a:tcPr/>
@@ -3723,14 +3710,14 @@
           <p:nvPr>
             <p:extLst>
               <p:ext uri="{D42A27DB-BD31-4B8C-83A1-F6EECF244321}">
-                <p14:modId xmlns:p14="http://schemas.microsoft.com/office/powerpoint/2010/main" val="829193732"/>
+                <p14:modId xmlns:p14="http://schemas.microsoft.com/office/powerpoint/2010/main" val="3711224614"/>
               </p:ext>
             </p:extLst>
           </p:nvPr>
         </p:nvGraphicFramePr>
         <p:xfrm>
           <a:off x="2440458" y="1476102"/>
-          <a:ext cx="1825824" cy="417888"/>
+          <a:ext cx="1926000" cy="417888"/>
         </p:xfrm>
         <a:graphic>
           <a:graphicData uri="http://schemas.openxmlformats.org/drawingml/2006/table">
@@ -3739,7 +3726,7 @@
                 <a:tableStyleId>{638B1855-1B75-4FBE-930C-398BA8C253C6}</a:tableStyleId>
               </a:tblPr>
               <a:tblGrid>
-                <a:gridCol w="1825824">
+                <a:gridCol w="1926000">
                   <a:extLst>
                     <a:ext uri="{9D8B030D-6E8A-4147-A177-3AD203B41FA5}">
                       <a16:colId xmlns:a16="http://schemas.microsoft.com/office/drawing/2014/main" val="4240773277"/>
@@ -3755,13 +3742,8 @@
                     <a:p>
                       <a:r>
                         <a:rPr lang="en-SG" u="sng" dirty="0"/>
-                        <a:t>ab1:</a:t>
+                        <a:t>cc1:CardCollection</a:t>
                       </a:r>
-                      <a:r>
-                        <a:rPr lang="en-SG" sz="1800" u="sng" dirty="0"/>
-                        <a:t>AddressBook</a:t>
-                      </a:r>
-                      <a:endParaRPr lang="en-SG" u="sng" dirty="0"/>
                     </a:p>
                   </a:txBody>
                   <a:tcPr/>
@@ -3791,14 +3773,14 @@
           <p:nvPr>
             <p:extLst>
               <p:ext uri="{D42A27DB-BD31-4B8C-83A1-F6EECF244321}">
-                <p14:modId xmlns:p14="http://schemas.microsoft.com/office/powerpoint/2010/main" val="796708048"/>
+                <p14:modId xmlns:p14="http://schemas.microsoft.com/office/powerpoint/2010/main" val="950538525"/>
               </p:ext>
             </p:extLst>
           </p:nvPr>
         </p:nvGraphicFramePr>
         <p:xfrm>
           <a:off x="4409785" y="1476102"/>
-          <a:ext cx="1825824" cy="417888"/>
+          <a:ext cx="1926000" cy="417888"/>
         </p:xfrm>
         <a:graphic>
           <a:graphicData uri="http://schemas.openxmlformats.org/drawingml/2006/table">
@@ -3807,7 +3789,7 @@
                 <a:tableStyleId>{638B1855-1B75-4FBE-930C-398BA8C253C6}</a:tableStyleId>
               </a:tblPr>
               <a:tblGrid>
-                <a:gridCol w="1825824">
+                <a:gridCol w="1926000">
                   <a:extLst>
                     <a:ext uri="{9D8B030D-6E8A-4147-A177-3AD203B41FA5}">
                       <a16:colId xmlns:a16="http://schemas.microsoft.com/office/drawing/2014/main" val="4240773277"/>
@@ -3823,13 +3805,8 @@
                     <a:p>
                       <a:r>
                         <a:rPr lang="en-SG" u="sng" dirty="0"/>
-                        <a:t>ab2:</a:t>
+                        <a:t>cc2:CardCollection</a:t>
                       </a:r>
-                      <a:r>
-                        <a:rPr lang="en-SG" sz="1800" u="sng" dirty="0"/>
-                        <a:t>AddressBook</a:t>
-                      </a:r>
-                      <a:endParaRPr lang="en-SG" u="sng" dirty="0"/>
                     </a:p>
                   </a:txBody>
                   <a:tcPr/>
@@ -3859,14 +3836,14 @@
           <p:nvPr>
             <p:extLst>
               <p:ext uri="{D42A27DB-BD31-4B8C-83A1-F6EECF244321}">
-                <p14:modId xmlns:p14="http://schemas.microsoft.com/office/powerpoint/2010/main" val="377617300"/>
+                <p14:modId xmlns:p14="http://schemas.microsoft.com/office/powerpoint/2010/main" val="871780586"/>
               </p:ext>
             </p:extLst>
           </p:nvPr>
         </p:nvGraphicFramePr>
         <p:xfrm>
           <a:off x="473240" y="3919947"/>
-          <a:ext cx="1825824" cy="417888"/>
+          <a:ext cx="1926000" cy="417888"/>
         </p:xfrm>
         <a:graphic>
           <a:graphicData uri="http://schemas.openxmlformats.org/drawingml/2006/table">
@@ -3875,7 +3852,7 @@
                 <a:tableStyleId>{638B1855-1B75-4FBE-930C-398BA8C253C6}</a:tableStyleId>
               </a:tblPr>
               <a:tblGrid>
-                <a:gridCol w="1825824">
+                <a:gridCol w="1926000">
                   <a:extLst>
                     <a:ext uri="{9D8B030D-6E8A-4147-A177-3AD203B41FA5}">
                       <a16:colId xmlns:a16="http://schemas.microsoft.com/office/drawing/2014/main" val="4240773277"/>
@@ -3891,13 +3868,8 @@
                     <a:p>
                       <a:r>
                         <a:rPr lang="en-SG" u="sng" dirty="0"/>
-                        <a:t>ab0:</a:t>
+                        <a:t>cc0:CardCollection</a:t>
                       </a:r>
-                      <a:r>
-                        <a:rPr lang="en-SG" sz="1800" u="sng" dirty="0"/>
-                        <a:t>AddressBook</a:t>
-                      </a:r>
-                      <a:endParaRPr lang="en-SG" u="sng" dirty="0"/>
                     </a:p>
                   </a:txBody>
                   <a:tcPr/>
@@ -3927,14 +3899,14 @@
           <p:nvPr>
             <p:extLst>
               <p:ext uri="{D42A27DB-BD31-4B8C-83A1-F6EECF244321}">
-                <p14:modId xmlns:p14="http://schemas.microsoft.com/office/powerpoint/2010/main" val="4076322253"/>
+                <p14:modId xmlns:p14="http://schemas.microsoft.com/office/powerpoint/2010/main" val="3011601669"/>
               </p:ext>
             </p:extLst>
           </p:nvPr>
         </p:nvGraphicFramePr>
         <p:xfrm>
           <a:off x="2440458" y="3919947"/>
-          <a:ext cx="1825824" cy="417888"/>
+          <a:ext cx="1926000" cy="417888"/>
         </p:xfrm>
         <a:graphic>
           <a:graphicData uri="http://schemas.openxmlformats.org/drawingml/2006/table">
@@ -3943,7 +3915,7 @@
                 <a:tableStyleId>{638B1855-1B75-4FBE-930C-398BA8C253C6}</a:tableStyleId>
               </a:tblPr>
               <a:tblGrid>
-                <a:gridCol w="1825824">
+                <a:gridCol w="1926000">
                   <a:extLst>
                     <a:ext uri="{9D8B030D-6E8A-4147-A177-3AD203B41FA5}">
                       <a16:colId xmlns:a16="http://schemas.microsoft.com/office/drawing/2014/main" val="4240773277"/>
@@ -3959,13 +3931,8 @@
                     <a:p>
                       <a:r>
                         <a:rPr lang="en-SG" u="sng" dirty="0"/>
-                        <a:t>ab1:</a:t>
+                        <a:t>cc1:CardCollection</a:t>
                       </a:r>
-                      <a:r>
-                        <a:rPr lang="en-SG" sz="1800" u="sng" dirty="0"/>
-                        <a:t>AddressBook</a:t>
-                      </a:r>
-                      <a:endParaRPr lang="en-SG" u="sng" dirty="0"/>
                     </a:p>
                   </a:txBody>
                   <a:tcPr/>
@@ -3995,14 +3962,14 @@
           <p:nvPr>
             <p:extLst>
               <p:ext uri="{D42A27DB-BD31-4B8C-83A1-F6EECF244321}">
-                <p14:modId xmlns:p14="http://schemas.microsoft.com/office/powerpoint/2010/main" val="53411958"/>
+                <p14:modId xmlns:p14="http://schemas.microsoft.com/office/powerpoint/2010/main" val="2035560863"/>
               </p:ext>
             </p:extLst>
           </p:nvPr>
         </p:nvGraphicFramePr>
         <p:xfrm>
           <a:off x="4409785" y="3919947"/>
-          <a:ext cx="1825824" cy="417888"/>
+          <a:ext cx="1926000" cy="417888"/>
         </p:xfrm>
         <a:graphic>
           <a:graphicData uri="http://schemas.openxmlformats.org/drawingml/2006/table">
@@ -4011,7 +3978,7 @@
                 <a:tableStyleId>{638B1855-1B75-4FBE-930C-398BA8C253C6}</a:tableStyleId>
               </a:tblPr>
               <a:tblGrid>
-                <a:gridCol w="1825824">
+                <a:gridCol w="1926000">
                   <a:extLst>
                     <a:ext uri="{9D8B030D-6E8A-4147-A177-3AD203B41FA5}">
                       <a16:colId xmlns:a16="http://schemas.microsoft.com/office/drawing/2014/main" val="4240773277"/>
@@ -4027,13 +3994,8 @@
                     <a:p>
                       <a:r>
                         <a:rPr lang="en-SG" u="sng" dirty="0"/>
-                        <a:t>ab3:</a:t>
+                        <a:t>cc3:CardCollection</a:t>
                       </a:r>
-                      <a:r>
-                        <a:rPr lang="en-SG" sz="1800" u="sng" dirty="0"/>
-                        <a:t>AddressBook</a:t>
-                      </a:r>
-                      <a:endParaRPr lang="en-SG" u="sng" dirty="0"/>
                     </a:p>
                   </a:txBody>
                   <a:tcPr/>

--- a/docs/diagrams/UndoRedoNewCommand4StateListDiagram.pptx
+++ b/docs/diagrams/UndoRedoNewCommand4StateListDiagram.pptx
@@ -261,7 +261,7 @@
           <a:p>
             <a:fld id="{03EC4E3E-8101-482F-A883-8B55DAFF7C07}" type="datetimeFigureOut">
               <a:rPr lang="en-SG" smtClean="0"/>
-              <a:t>14/4/19</a:t>
+              <a:t>15/4/19</a:t>
             </a:fld>
             <a:endParaRPr lang="en-SG"/>
           </a:p>
@@ -461,7 +461,7 @@
           <a:p>
             <a:fld id="{03EC4E3E-8101-482F-A883-8B55DAFF7C07}" type="datetimeFigureOut">
               <a:rPr lang="en-SG" smtClean="0"/>
-              <a:t>14/4/19</a:t>
+              <a:t>15/4/19</a:t>
             </a:fld>
             <a:endParaRPr lang="en-SG"/>
           </a:p>
@@ -671,7 +671,7 @@
           <a:p>
             <a:fld id="{03EC4E3E-8101-482F-A883-8B55DAFF7C07}" type="datetimeFigureOut">
               <a:rPr lang="en-SG" smtClean="0"/>
-              <a:t>14/4/19</a:t>
+              <a:t>15/4/19</a:t>
             </a:fld>
             <a:endParaRPr lang="en-SG"/>
           </a:p>
@@ -871,7 +871,7 @@
           <a:p>
             <a:fld id="{03EC4E3E-8101-482F-A883-8B55DAFF7C07}" type="datetimeFigureOut">
               <a:rPr lang="en-SG" smtClean="0"/>
-              <a:t>14/4/19</a:t>
+              <a:t>15/4/19</a:t>
             </a:fld>
             <a:endParaRPr lang="en-SG"/>
           </a:p>
@@ -1147,7 +1147,7 @@
           <a:p>
             <a:fld id="{03EC4E3E-8101-482F-A883-8B55DAFF7C07}" type="datetimeFigureOut">
               <a:rPr lang="en-SG" smtClean="0"/>
-              <a:t>14/4/19</a:t>
+              <a:t>15/4/19</a:t>
             </a:fld>
             <a:endParaRPr lang="en-SG"/>
           </a:p>
@@ -1415,7 +1415,7 @@
           <a:p>
             <a:fld id="{03EC4E3E-8101-482F-A883-8B55DAFF7C07}" type="datetimeFigureOut">
               <a:rPr lang="en-SG" smtClean="0"/>
-              <a:t>14/4/19</a:t>
+              <a:t>15/4/19</a:t>
             </a:fld>
             <a:endParaRPr lang="en-SG"/>
           </a:p>
@@ -1830,7 +1830,7 @@
           <a:p>
             <a:fld id="{03EC4E3E-8101-482F-A883-8B55DAFF7C07}" type="datetimeFigureOut">
               <a:rPr lang="en-SG" smtClean="0"/>
-              <a:t>14/4/19</a:t>
+              <a:t>15/4/19</a:t>
             </a:fld>
             <a:endParaRPr lang="en-SG"/>
           </a:p>
@@ -1972,7 +1972,7 @@
           <a:p>
             <a:fld id="{03EC4E3E-8101-482F-A883-8B55DAFF7C07}" type="datetimeFigureOut">
               <a:rPr lang="en-SG" smtClean="0"/>
-              <a:t>14/4/19</a:t>
+              <a:t>15/4/19</a:t>
             </a:fld>
             <a:endParaRPr lang="en-SG"/>
           </a:p>
@@ -2085,7 +2085,7 @@
           <a:p>
             <a:fld id="{03EC4E3E-8101-482F-A883-8B55DAFF7C07}" type="datetimeFigureOut">
               <a:rPr lang="en-SG" smtClean="0"/>
-              <a:t>14/4/19</a:t>
+              <a:t>15/4/19</a:t>
             </a:fld>
             <a:endParaRPr lang="en-SG"/>
           </a:p>
@@ -2398,7 +2398,7 @@
           <a:p>
             <a:fld id="{03EC4E3E-8101-482F-A883-8B55DAFF7C07}" type="datetimeFigureOut">
               <a:rPr lang="en-SG" smtClean="0"/>
-              <a:t>14/4/19</a:t>
+              <a:t>15/4/19</a:t>
             </a:fld>
             <a:endParaRPr lang="en-SG"/>
           </a:p>
@@ -2687,7 +2687,7 @@
           <a:p>
             <a:fld id="{03EC4E3E-8101-482F-A883-8B55DAFF7C07}" type="datetimeFigureOut">
               <a:rPr lang="en-SG" smtClean="0"/>
-              <a:t>14/4/19</a:t>
+              <a:t>15/4/19</a:t>
             </a:fld>
             <a:endParaRPr lang="en-SG"/>
           </a:p>
@@ -2930,7 +2930,7 @@
           <a:p>
             <a:fld id="{03EC4E3E-8101-482F-A883-8B55DAFF7C07}" type="datetimeFigureOut">
               <a:rPr lang="en-SG" smtClean="0"/>
-              <a:t>14/4/19</a:t>
+              <a:t>15/4/19</a:t>
             </a:fld>
             <a:endParaRPr lang="en-SG"/>
           </a:p>
@@ -3405,8 +3405,8 @@
         </p:nvSpPr>
         <p:spPr>
           <a:xfrm>
-            <a:off x="8279815" y="4786631"/>
-            <a:ext cx="2346425" cy="369332"/>
+            <a:off x="8279815" y="5561766"/>
+            <a:ext cx="2346425" cy="923330"/>
           </a:xfrm>
           <a:prstGeom prst="rect">
             <a:avLst/>
@@ -3447,7 +3447,7 @@
             <a:pPr algn="ctr"/>
             <a:r>
               <a:rPr lang="en-SG" dirty="0"/>
-              <a:t>State cc2 deleted.</a:t>
+              <a:t>State cc2 and command history ch2 deleted.</a:t>
             </a:r>
           </a:p>
         </p:txBody>
@@ -3544,50 +3544,6 @@
       </p:sp>
       <p:sp>
         <p:nvSpPr>
-          <p:cNvPr id="22" name="TextBox 21">
-            <a:extLst>
-              <a:ext uri="{FF2B5EF4-FFF2-40B4-BE49-F238E27FC236}">
-                <a16:creationId xmlns:a16="http://schemas.microsoft.com/office/drawing/2014/main" id="{3151A13B-9509-43FA-BFEB-1D9866A00B84}"/>
-              </a:ext>
-            </a:extLst>
-          </p:cNvPr>
-          <p:cNvSpPr txBox="1"/>
-          <p:nvPr/>
-        </p:nvSpPr>
-        <p:spPr>
-          <a:xfrm>
-            <a:off x="3952597" y="5155963"/>
-            <a:ext cx="3207000" cy="369332"/>
-          </a:xfrm>
-          <a:prstGeom prst="rect">
-            <a:avLst/>
-          </a:prstGeom>
-          <a:noFill/>
-        </p:spPr>
-        <p:txBody>
-          <a:bodyPr wrap="square" rtlCol="0">
-            <a:spAutoFit/>
-          </a:bodyPr>
-          <a:lstStyle/>
-          <a:p>
-            <a:pPr algn="ctr"/>
-            <a:r>
-              <a:rPr lang="en-SG" dirty="0" err="1">
-                <a:latin typeface="Consolas" panose="020B0609020204030204" pitchFamily="49" charset="0"/>
-              </a:rPr>
-              <a:t>currentStatePointer</a:t>
-            </a:r>
-            <a:r>
-              <a:rPr lang="en-SG" dirty="0">
-                <a:latin typeface="Consolas" panose="020B0609020204030204" pitchFamily="49" charset="0"/>
-              </a:rPr>
-              <a:t> = 2</a:t>
-            </a:r>
-          </a:p>
-        </p:txBody>
-      </p:sp>
-      <p:sp>
-        <p:nvSpPr>
           <p:cNvPr id="25" name="Rectangle 24"/>
           <p:cNvSpPr/>
           <p:nvPr/>
@@ -3628,7 +3584,7 @@
           <a:lstStyle/>
           <a:p>
             <a:pPr algn="ctr"/>
-            <a:endParaRPr lang="en-US"/>
+            <a:endParaRPr lang="en-US" dirty="0"/>
           </a:p>
         </p:txBody>
       </p:sp>
@@ -3647,7 +3603,7 @@
           <p:nvPr>
             <p:extLst>
               <p:ext uri="{D42A27DB-BD31-4B8C-83A1-F6EECF244321}">
-                <p14:modId xmlns:p14="http://schemas.microsoft.com/office/powerpoint/2010/main" val="3405431095"/>
+                <p14:modId xmlns:p14="http://schemas.microsoft.com/office/powerpoint/2010/main" val="393264563"/>
               </p:ext>
             </p:extLst>
           </p:nvPr>
@@ -3710,7 +3666,7 @@
           <p:nvPr>
             <p:extLst>
               <p:ext uri="{D42A27DB-BD31-4B8C-83A1-F6EECF244321}">
-                <p14:modId xmlns:p14="http://schemas.microsoft.com/office/powerpoint/2010/main" val="3711224614"/>
+                <p14:modId xmlns:p14="http://schemas.microsoft.com/office/powerpoint/2010/main" val="2686526305"/>
               </p:ext>
             </p:extLst>
           </p:nvPr>
@@ -3773,7 +3729,7 @@
           <p:nvPr>
             <p:extLst>
               <p:ext uri="{D42A27DB-BD31-4B8C-83A1-F6EECF244321}">
-                <p14:modId xmlns:p14="http://schemas.microsoft.com/office/powerpoint/2010/main" val="950538525"/>
+                <p14:modId xmlns:p14="http://schemas.microsoft.com/office/powerpoint/2010/main" val="1303731701"/>
               </p:ext>
             </p:extLst>
           </p:nvPr>
@@ -3821,195 +3777,6 @@
           </a:graphicData>
         </a:graphic>
       </p:graphicFrame>
-      <p:graphicFrame>
-        <p:nvGraphicFramePr>
-          <p:cNvPr id="31" name="Table 30">
-            <a:extLst>
-              <a:ext uri="{FF2B5EF4-FFF2-40B4-BE49-F238E27FC236}">
-                <a16:creationId xmlns:a16="http://schemas.microsoft.com/office/drawing/2014/main" id="{F545FAB8-F1CE-4886-9BDE-E772BCB0A9C4}"/>
-              </a:ext>
-            </a:extLst>
-          </p:cNvPr>
-          <p:cNvGraphicFramePr>
-            <a:graphicFrameLocks noGrp="1"/>
-          </p:cNvGraphicFramePr>
-          <p:nvPr>
-            <p:extLst>
-              <p:ext uri="{D42A27DB-BD31-4B8C-83A1-F6EECF244321}">
-                <p14:modId xmlns:p14="http://schemas.microsoft.com/office/powerpoint/2010/main" val="871780586"/>
-              </p:ext>
-            </p:extLst>
-          </p:nvPr>
-        </p:nvGraphicFramePr>
-        <p:xfrm>
-          <a:off x="473240" y="3919947"/>
-          <a:ext cx="1926000" cy="417888"/>
-        </p:xfrm>
-        <a:graphic>
-          <a:graphicData uri="http://schemas.openxmlformats.org/drawingml/2006/table">
-            <a:tbl>
-              <a:tblPr>
-                <a:tableStyleId>{638B1855-1B75-4FBE-930C-398BA8C253C6}</a:tableStyleId>
-              </a:tblPr>
-              <a:tblGrid>
-                <a:gridCol w="1926000">
-                  <a:extLst>
-                    <a:ext uri="{9D8B030D-6E8A-4147-A177-3AD203B41FA5}">
-                      <a16:colId xmlns:a16="http://schemas.microsoft.com/office/drawing/2014/main" val="4240773277"/>
-                    </a:ext>
-                  </a:extLst>
-                </a:gridCol>
-              </a:tblGrid>
-              <a:tr h="417888">
-                <a:tc>
-                  <a:txBody>
-                    <a:bodyPr/>
-                    <a:lstStyle/>
-                    <a:p>
-                      <a:r>
-                        <a:rPr lang="en-SG" u="sng" dirty="0"/>
-                        <a:t>cc0:CardCollection</a:t>
-                      </a:r>
-                    </a:p>
-                  </a:txBody>
-                  <a:tcPr/>
-                </a:tc>
-                <a:extLst>
-                  <a:ext uri="{0D108BD9-81ED-4DB2-BD59-A6C34878D82A}">
-                    <a16:rowId xmlns:a16="http://schemas.microsoft.com/office/drawing/2014/main" val="2194462629"/>
-                  </a:ext>
-                </a:extLst>
-              </a:tr>
-            </a:tbl>
-          </a:graphicData>
-        </a:graphic>
-      </p:graphicFrame>
-      <p:graphicFrame>
-        <p:nvGraphicFramePr>
-          <p:cNvPr id="32" name="Table 31">
-            <a:extLst>
-              <a:ext uri="{FF2B5EF4-FFF2-40B4-BE49-F238E27FC236}">
-                <a16:creationId xmlns:a16="http://schemas.microsoft.com/office/drawing/2014/main" id="{F545FAB8-F1CE-4886-9BDE-E772BCB0A9C4}"/>
-              </a:ext>
-            </a:extLst>
-          </p:cNvPr>
-          <p:cNvGraphicFramePr>
-            <a:graphicFrameLocks noGrp="1"/>
-          </p:cNvGraphicFramePr>
-          <p:nvPr>
-            <p:extLst>
-              <p:ext uri="{D42A27DB-BD31-4B8C-83A1-F6EECF244321}">
-                <p14:modId xmlns:p14="http://schemas.microsoft.com/office/powerpoint/2010/main" val="3011601669"/>
-              </p:ext>
-            </p:extLst>
-          </p:nvPr>
-        </p:nvGraphicFramePr>
-        <p:xfrm>
-          <a:off x="2440458" y="3919947"/>
-          <a:ext cx="1926000" cy="417888"/>
-        </p:xfrm>
-        <a:graphic>
-          <a:graphicData uri="http://schemas.openxmlformats.org/drawingml/2006/table">
-            <a:tbl>
-              <a:tblPr>
-                <a:tableStyleId>{638B1855-1B75-4FBE-930C-398BA8C253C6}</a:tableStyleId>
-              </a:tblPr>
-              <a:tblGrid>
-                <a:gridCol w="1926000">
-                  <a:extLst>
-                    <a:ext uri="{9D8B030D-6E8A-4147-A177-3AD203B41FA5}">
-                      <a16:colId xmlns:a16="http://schemas.microsoft.com/office/drawing/2014/main" val="4240773277"/>
-                    </a:ext>
-                  </a:extLst>
-                </a:gridCol>
-              </a:tblGrid>
-              <a:tr h="417888">
-                <a:tc>
-                  <a:txBody>
-                    <a:bodyPr/>
-                    <a:lstStyle/>
-                    <a:p>
-                      <a:r>
-                        <a:rPr lang="en-SG" u="sng" dirty="0"/>
-                        <a:t>cc1:CardCollection</a:t>
-                      </a:r>
-                    </a:p>
-                  </a:txBody>
-                  <a:tcPr/>
-                </a:tc>
-                <a:extLst>
-                  <a:ext uri="{0D108BD9-81ED-4DB2-BD59-A6C34878D82A}">
-                    <a16:rowId xmlns:a16="http://schemas.microsoft.com/office/drawing/2014/main" val="2194462629"/>
-                  </a:ext>
-                </a:extLst>
-              </a:tr>
-            </a:tbl>
-          </a:graphicData>
-        </a:graphic>
-      </p:graphicFrame>
-      <p:graphicFrame>
-        <p:nvGraphicFramePr>
-          <p:cNvPr id="33" name="Table 32">
-            <a:extLst>
-              <a:ext uri="{FF2B5EF4-FFF2-40B4-BE49-F238E27FC236}">
-                <a16:creationId xmlns:a16="http://schemas.microsoft.com/office/drawing/2014/main" id="{F545FAB8-F1CE-4886-9BDE-E772BCB0A9C4}"/>
-              </a:ext>
-            </a:extLst>
-          </p:cNvPr>
-          <p:cNvGraphicFramePr>
-            <a:graphicFrameLocks noGrp="1"/>
-          </p:cNvGraphicFramePr>
-          <p:nvPr>
-            <p:extLst>
-              <p:ext uri="{D42A27DB-BD31-4B8C-83A1-F6EECF244321}">
-                <p14:modId xmlns:p14="http://schemas.microsoft.com/office/powerpoint/2010/main" val="2035560863"/>
-              </p:ext>
-            </p:extLst>
-          </p:nvPr>
-        </p:nvGraphicFramePr>
-        <p:xfrm>
-          <a:off x="4409785" y="3919947"/>
-          <a:ext cx="1926000" cy="417888"/>
-        </p:xfrm>
-        <a:graphic>
-          <a:graphicData uri="http://schemas.openxmlformats.org/drawingml/2006/table">
-            <a:tbl>
-              <a:tblPr>
-                <a:tableStyleId>{638B1855-1B75-4FBE-930C-398BA8C253C6}</a:tableStyleId>
-              </a:tblPr>
-              <a:tblGrid>
-                <a:gridCol w="1926000">
-                  <a:extLst>
-                    <a:ext uri="{9D8B030D-6E8A-4147-A177-3AD203B41FA5}">
-                      <a16:colId xmlns:a16="http://schemas.microsoft.com/office/drawing/2014/main" val="4240773277"/>
-                    </a:ext>
-                  </a:extLst>
-                </a:gridCol>
-              </a:tblGrid>
-              <a:tr h="417888">
-                <a:tc>
-                  <a:txBody>
-                    <a:bodyPr/>
-                    <a:lstStyle/>
-                    <a:p>
-                      <a:r>
-                        <a:rPr lang="en-SG" u="sng" dirty="0"/>
-                        <a:t>cc3:CardCollection</a:t>
-                      </a:r>
-                    </a:p>
-                  </a:txBody>
-                  <a:tcPr/>
-                </a:tc>
-                <a:extLst>
-                  <a:ext uri="{0D108BD9-81ED-4DB2-BD59-A6C34878D82A}">
-                    <a16:rowId xmlns:a16="http://schemas.microsoft.com/office/drawing/2014/main" val="2194462629"/>
-                  </a:ext>
-                </a:extLst>
-              </a:tr>
-            </a:tbl>
-          </a:graphicData>
-        </a:graphic>
-      </p:graphicFrame>
       <p:cxnSp>
         <p:nvCxnSpPr>
           <p:cNvPr id="18" name="Straight Arrow Connector 17">
@@ -4054,12 +3821,300 @@
           </a:fontRef>
         </p:style>
       </p:cxnSp>
+      <p:sp>
+        <p:nvSpPr>
+          <p:cNvPr id="54" name="TextBox 53">
+            <a:extLst>
+              <a:ext uri="{FF2B5EF4-FFF2-40B4-BE49-F238E27FC236}">
+                <a16:creationId xmlns:a16="http://schemas.microsoft.com/office/drawing/2014/main" id="{4F07E26F-9DEF-2A4E-9A56-5450AC350C32}"/>
+              </a:ext>
+            </a:extLst>
+          </p:cNvPr>
+          <p:cNvSpPr txBox="1"/>
+          <p:nvPr/>
+        </p:nvSpPr>
+        <p:spPr>
+          <a:xfrm>
+            <a:off x="3882984" y="5959511"/>
+            <a:ext cx="3207000" cy="369332"/>
+          </a:xfrm>
+          <a:prstGeom prst="rect">
+            <a:avLst/>
+          </a:prstGeom>
+          <a:noFill/>
+        </p:spPr>
+        <p:txBody>
+          <a:bodyPr wrap="square" rtlCol="0">
+            <a:spAutoFit/>
+          </a:bodyPr>
+          <a:lstStyle/>
+          <a:p>
+            <a:pPr algn="ctr"/>
+            <a:r>
+              <a:rPr lang="en-SG" dirty="0" err="1">
+                <a:latin typeface="Consolas" panose="020B0609020204030204" pitchFamily="49" charset="0"/>
+              </a:rPr>
+              <a:t>currentStatePointer</a:t>
+            </a:r>
+            <a:r>
+              <a:rPr lang="en-SG" dirty="0">
+                <a:latin typeface="Consolas" panose="020B0609020204030204" pitchFamily="49" charset="0"/>
+              </a:rPr>
+              <a:t> = 2</a:t>
+            </a:r>
+          </a:p>
+        </p:txBody>
+      </p:sp>
+      <p:sp>
+        <p:nvSpPr>
+          <p:cNvPr id="55" name="Rectangle 54">
+            <a:extLst>
+              <a:ext uri="{FF2B5EF4-FFF2-40B4-BE49-F238E27FC236}">
+                <a16:creationId xmlns:a16="http://schemas.microsoft.com/office/drawing/2014/main" id="{F59AD681-AC2A-C748-B1FC-80D767181FF4}"/>
+              </a:ext>
+            </a:extLst>
+          </p:cNvPr>
+          <p:cNvSpPr/>
+          <p:nvPr/>
+        </p:nvSpPr>
+        <p:spPr>
+          <a:xfrm>
+            <a:off x="387404" y="4630307"/>
+            <a:ext cx="11364686" cy="593918"/>
+          </a:xfrm>
+          <a:prstGeom prst="rect">
+            <a:avLst/>
+          </a:prstGeom>
+          <a:noFill/>
+          <a:ln>
+            <a:solidFill>
+              <a:schemeClr val="tx1"/>
+            </a:solidFill>
+          </a:ln>
+        </p:spPr>
+        <p:style>
+          <a:lnRef idx="2">
+            <a:schemeClr val="accent1">
+              <a:shade val="50000"/>
+            </a:schemeClr>
+          </a:lnRef>
+          <a:fillRef idx="1">
+            <a:schemeClr val="accent1"/>
+          </a:fillRef>
+          <a:effectRef idx="0">
+            <a:schemeClr val="accent1"/>
+          </a:effectRef>
+          <a:fontRef idx="minor">
+            <a:schemeClr val="lt1"/>
+          </a:fontRef>
+        </p:style>
+        <p:txBody>
+          <a:bodyPr rtlCol="0" anchor="ctr"/>
+          <a:lstStyle/>
+          <a:p>
+            <a:pPr algn="ctr"/>
+            <a:endParaRPr lang="en-US"/>
+          </a:p>
+        </p:txBody>
+      </p:sp>
+      <p:graphicFrame>
+        <p:nvGraphicFramePr>
+          <p:cNvPr id="56" name="Table 55">
+            <a:extLst>
+              <a:ext uri="{FF2B5EF4-FFF2-40B4-BE49-F238E27FC236}">
+                <a16:creationId xmlns:a16="http://schemas.microsoft.com/office/drawing/2014/main" id="{051F2D06-FBC9-1245-8E56-5B20A8DDA28C}"/>
+              </a:ext>
+            </a:extLst>
+          </p:cNvPr>
+          <p:cNvGraphicFramePr>
+            <a:graphicFrameLocks noGrp="1"/>
+          </p:cNvGraphicFramePr>
+          <p:nvPr>
+            <p:extLst>
+              <p:ext uri="{D42A27DB-BD31-4B8C-83A1-F6EECF244321}">
+                <p14:modId xmlns:p14="http://schemas.microsoft.com/office/powerpoint/2010/main" val="4232001526"/>
+              </p:ext>
+            </p:extLst>
+          </p:nvPr>
+        </p:nvGraphicFramePr>
+        <p:xfrm>
+          <a:off x="4551264" y="4718322"/>
+          <a:ext cx="1926000" cy="417888"/>
+        </p:xfrm>
+        <a:graphic>
+          <a:graphicData uri="http://schemas.openxmlformats.org/drawingml/2006/table">
+            <a:tbl>
+              <a:tblPr>
+                <a:tableStyleId>{638B1855-1B75-4FBE-930C-398BA8C253C6}</a:tableStyleId>
+              </a:tblPr>
+              <a:tblGrid>
+                <a:gridCol w="1926000">
+                  <a:extLst>
+                    <a:ext uri="{9D8B030D-6E8A-4147-A177-3AD203B41FA5}">
+                      <a16:colId xmlns:a16="http://schemas.microsoft.com/office/drawing/2014/main" val="4240773277"/>
+                    </a:ext>
+                  </a:extLst>
+                </a:gridCol>
+              </a:tblGrid>
+              <a:tr h="417888">
+                <a:tc>
+                  <a:txBody>
+                    <a:bodyPr/>
+                    <a:lstStyle/>
+                    <a:p>
+                      <a:r>
+                        <a:rPr lang="en-SG" u="sng" dirty="0"/>
+                        <a:t>cc3:CardCollection</a:t>
+                      </a:r>
+                      <a:endParaRPr lang="en-SG" sz="1600" u="sng" dirty="0"/>
+                    </a:p>
+                  </a:txBody>
+                  <a:tcPr/>
+                </a:tc>
+                <a:extLst>
+                  <a:ext uri="{0D108BD9-81ED-4DB2-BD59-A6C34878D82A}">
+                    <a16:rowId xmlns:a16="http://schemas.microsoft.com/office/drawing/2014/main" val="2194462629"/>
+                  </a:ext>
+                </a:extLst>
+              </a:tr>
+            </a:tbl>
+          </a:graphicData>
+        </a:graphic>
+      </p:graphicFrame>
+      <p:graphicFrame>
+        <p:nvGraphicFramePr>
+          <p:cNvPr id="57" name="Table 56">
+            <a:extLst>
+              <a:ext uri="{FF2B5EF4-FFF2-40B4-BE49-F238E27FC236}">
+                <a16:creationId xmlns:a16="http://schemas.microsoft.com/office/drawing/2014/main" id="{15D9A1B3-5DF5-CB4F-B6D0-D8F2EB240965}"/>
+              </a:ext>
+            </a:extLst>
+          </p:cNvPr>
+          <p:cNvGraphicFramePr>
+            <a:graphicFrameLocks noGrp="1"/>
+          </p:cNvGraphicFramePr>
+          <p:nvPr>
+            <p:extLst>
+              <p:ext uri="{D42A27DB-BD31-4B8C-83A1-F6EECF244321}">
+                <p14:modId xmlns:p14="http://schemas.microsoft.com/office/powerpoint/2010/main" val="4012823158"/>
+              </p:ext>
+            </p:extLst>
+          </p:nvPr>
+        </p:nvGraphicFramePr>
+        <p:xfrm>
+          <a:off x="2512252" y="4700183"/>
+          <a:ext cx="1926000" cy="417888"/>
+        </p:xfrm>
+        <a:graphic>
+          <a:graphicData uri="http://schemas.openxmlformats.org/drawingml/2006/table">
+            <a:tbl>
+              <a:tblPr>
+                <a:tableStyleId>{638B1855-1B75-4FBE-930C-398BA8C253C6}</a:tableStyleId>
+              </a:tblPr>
+              <a:tblGrid>
+                <a:gridCol w="1926000">
+                  <a:extLst>
+                    <a:ext uri="{9D8B030D-6E8A-4147-A177-3AD203B41FA5}">
+                      <a16:colId xmlns:a16="http://schemas.microsoft.com/office/drawing/2014/main" val="4240773277"/>
+                    </a:ext>
+                  </a:extLst>
+                </a:gridCol>
+              </a:tblGrid>
+              <a:tr h="417888">
+                <a:tc>
+                  <a:txBody>
+                    <a:bodyPr/>
+                    <a:lstStyle/>
+                    <a:p>
+                      <a:r>
+                        <a:rPr lang="en-SG" u="sng" dirty="0"/>
+                        <a:t>cc1:CardCollection</a:t>
+                      </a:r>
+                      <a:endParaRPr lang="en-SG" sz="1600" u="sng" dirty="0"/>
+                    </a:p>
+                  </a:txBody>
+                  <a:tcPr/>
+                </a:tc>
+                <a:extLst>
+                  <a:ext uri="{0D108BD9-81ED-4DB2-BD59-A6C34878D82A}">
+                    <a16:rowId xmlns:a16="http://schemas.microsoft.com/office/drawing/2014/main" val="2194462629"/>
+                  </a:ext>
+                </a:extLst>
+              </a:tr>
+            </a:tbl>
+          </a:graphicData>
+        </a:graphic>
+      </p:graphicFrame>
+      <p:graphicFrame>
+        <p:nvGraphicFramePr>
+          <p:cNvPr id="58" name="Table 57">
+            <a:extLst>
+              <a:ext uri="{FF2B5EF4-FFF2-40B4-BE49-F238E27FC236}">
+                <a16:creationId xmlns:a16="http://schemas.microsoft.com/office/drawing/2014/main" id="{5321FC08-6E78-A541-AC74-78E35C22456A}"/>
+              </a:ext>
+            </a:extLst>
+          </p:cNvPr>
+          <p:cNvGraphicFramePr>
+            <a:graphicFrameLocks noGrp="1"/>
+          </p:cNvGraphicFramePr>
+          <p:nvPr>
+            <p:extLst>
+              <p:ext uri="{D42A27DB-BD31-4B8C-83A1-F6EECF244321}">
+                <p14:modId xmlns:p14="http://schemas.microsoft.com/office/powerpoint/2010/main" val="1021489292"/>
+              </p:ext>
+            </p:extLst>
+          </p:nvPr>
+        </p:nvGraphicFramePr>
+        <p:xfrm>
+          <a:off x="473240" y="4700183"/>
+          <a:ext cx="1926000" cy="417888"/>
+        </p:xfrm>
+        <a:graphic>
+          <a:graphicData uri="http://schemas.openxmlformats.org/drawingml/2006/table">
+            <a:tbl>
+              <a:tblPr>
+                <a:tableStyleId>{638B1855-1B75-4FBE-930C-398BA8C253C6}</a:tableStyleId>
+              </a:tblPr>
+              <a:tblGrid>
+                <a:gridCol w="1926000">
+                  <a:extLst>
+                    <a:ext uri="{9D8B030D-6E8A-4147-A177-3AD203B41FA5}">
+                      <a16:colId xmlns:a16="http://schemas.microsoft.com/office/drawing/2014/main" val="4240773277"/>
+                    </a:ext>
+                  </a:extLst>
+                </a:gridCol>
+              </a:tblGrid>
+              <a:tr h="417888">
+                <a:tc>
+                  <a:txBody>
+                    <a:bodyPr/>
+                    <a:lstStyle/>
+                    <a:p>
+                      <a:r>
+                        <a:rPr lang="en-SG" u="sng" dirty="0"/>
+                        <a:t>cc0:CardCollection</a:t>
+                      </a:r>
+                      <a:endParaRPr lang="en-SG" sz="1600" u="sng" dirty="0"/>
+                    </a:p>
+                  </a:txBody>
+                  <a:tcPr/>
+                </a:tc>
+                <a:extLst>
+                  <a:ext uri="{0D108BD9-81ED-4DB2-BD59-A6C34878D82A}">
+                    <a16:rowId xmlns:a16="http://schemas.microsoft.com/office/drawing/2014/main" val="2194462629"/>
+                  </a:ext>
+                </a:extLst>
+              </a:tr>
+            </a:tbl>
+          </a:graphicData>
+        </a:graphic>
+      </p:graphicFrame>
       <p:cxnSp>
         <p:nvCxnSpPr>
-          <p:cNvPr id="19" name="Straight Arrow Connector 18">
-            <a:extLst>
-              <a:ext uri="{FF2B5EF4-FFF2-40B4-BE49-F238E27FC236}">
-                <a16:creationId xmlns:a16="http://schemas.microsoft.com/office/drawing/2014/main" id="{A3B5C47A-9640-4A49-B463-8F5196CF2A09}"/>
+          <p:cNvPr id="59" name="Straight Arrow Connector 58">
+            <a:extLst>
+              <a:ext uri="{FF2B5EF4-FFF2-40B4-BE49-F238E27FC236}">
+                <a16:creationId xmlns:a16="http://schemas.microsoft.com/office/drawing/2014/main" id="{D4AD7A60-41B8-E54F-B5CB-E7DF6C742B55}"/>
               </a:ext>
             </a:extLst>
           </p:cNvPr>
@@ -4070,7 +4125,7 @@
         </p:nvCxnSpPr>
         <p:spPr>
           <a:xfrm flipV="1">
-            <a:off x="5385732" y="4471595"/>
+            <a:off x="5496994" y="5268829"/>
             <a:ext cx="0" cy="706873"/>
           </a:xfrm>
           <a:prstGeom prst="straightConnector1">
@@ -4098,6 +4153,490 @@
           </a:fontRef>
         </p:style>
       </p:cxnSp>
+      <p:graphicFrame>
+        <p:nvGraphicFramePr>
+          <p:cNvPr id="61" name="Table 60">
+            <a:extLst>
+              <a:ext uri="{FF2B5EF4-FFF2-40B4-BE49-F238E27FC236}">
+                <a16:creationId xmlns:a16="http://schemas.microsoft.com/office/drawing/2014/main" id="{4E682860-1577-7246-8D50-9F1B2183DE5B}"/>
+              </a:ext>
+            </a:extLst>
+          </p:cNvPr>
+          <p:cNvGraphicFramePr>
+            <a:graphicFrameLocks noGrp="1"/>
+          </p:cNvGraphicFramePr>
+          <p:nvPr>
+            <p:extLst>
+              <p:ext uri="{D42A27DB-BD31-4B8C-83A1-F6EECF244321}">
+                <p14:modId xmlns:p14="http://schemas.microsoft.com/office/powerpoint/2010/main" val="426476792"/>
+              </p:ext>
+            </p:extLst>
+          </p:nvPr>
+        </p:nvGraphicFramePr>
+        <p:xfrm>
+          <a:off x="2530836" y="3907975"/>
+          <a:ext cx="1907416" cy="410363"/>
+        </p:xfrm>
+        <a:graphic>
+          <a:graphicData uri="http://schemas.openxmlformats.org/drawingml/2006/table">
+            <a:tbl>
+              <a:tblPr>
+                <a:tableStyleId>{638B1855-1B75-4FBE-930C-398BA8C253C6}</a:tableStyleId>
+              </a:tblPr>
+              <a:tblGrid>
+                <a:gridCol w="1907416">
+                  <a:extLst>
+                    <a:ext uri="{9D8B030D-6E8A-4147-A177-3AD203B41FA5}">
+                      <a16:colId xmlns:a16="http://schemas.microsoft.com/office/drawing/2014/main" val="4240773277"/>
+                    </a:ext>
+                  </a:extLst>
+                </a:gridCol>
+              </a:tblGrid>
+              <a:tr h="410363">
+                <a:tc>
+                  <a:txBody>
+                    <a:bodyPr/>
+                    <a:lstStyle/>
+                    <a:p>
+                      <a:pPr algn="ctr"/>
+                      <a:r>
+                        <a:rPr lang="en-SG" u="sng" dirty="0"/>
+                        <a:t>ch1:String</a:t>
+                      </a:r>
+                      <a:endParaRPr lang="en-SG" sz="1600" u="sng" dirty="0"/>
+                    </a:p>
+                  </a:txBody>
+                  <a:tcPr>
+                    <a:solidFill>
+                      <a:schemeClr val="accent5">
+                        <a:lumMod val="60000"/>
+                        <a:lumOff val="40000"/>
+                      </a:schemeClr>
+                    </a:solidFill>
+                  </a:tcPr>
+                </a:tc>
+                <a:extLst>
+                  <a:ext uri="{0D108BD9-81ED-4DB2-BD59-A6C34878D82A}">
+                    <a16:rowId xmlns:a16="http://schemas.microsoft.com/office/drawing/2014/main" val="2194462629"/>
+                  </a:ext>
+                </a:extLst>
+              </a:tr>
+            </a:tbl>
+          </a:graphicData>
+        </a:graphic>
+      </p:graphicFrame>
+      <p:graphicFrame>
+        <p:nvGraphicFramePr>
+          <p:cNvPr id="62" name="Table 61">
+            <a:extLst>
+              <a:ext uri="{FF2B5EF4-FFF2-40B4-BE49-F238E27FC236}">
+                <a16:creationId xmlns:a16="http://schemas.microsoft.com/office/drawing/2014/main" id="{7CBECC52-DF46-9142-8427-7B88FAAABAF3}"/>
+              </a:ext>
+            </a:extLst>
+          </p:cNvPr>
+          <p:cNvGraphicFramePr>
+            <a:graphicFrameLocks noGrp="1"/>
+          </p:cNvGraphicFramePr>
+          <p:nvPr>
+            <p:extLst>
+              <p:ext uri="{D42A27DB-BD31-4B8C-83A1-F6EECF244321}">
+                <p14:modId xmlns:p14="http://schemas.microsoft.com/office/powerpoint/2010/main" val="2966783813"/>
+              </p:ext>
+            </p:extLst>
+          </p:nvPr>
+        </p:nvGraphicFramePr>
+        <p:xfrm>
+          <a:off x="452726" y="3915766"/>
+          <a:ext cx="1967027" cy="410363"/>
+        </p:xfrm>
+        <a:graphic>
+          <a:graphicData uri="http://schemas.openxmlformats.org/drawingml/2006/table">
+            <a:tbl>
+              <a:tblPr>
+                <a:tableStyleId>{638B1855-1B75-4FBE-930C-398BA8C253C6}</a:tableStyleId>
+              </a:tblPr>
+              <a:tblGrid>
+                <a:gridCol w="1967027">
+                  <a:extLst>
+                    <a:ext uri="{9D8B030D-6E8A-4147-A177-3AD203B41FA5}">
+                      <a16:colId xmlns:a16="http://schemas.microsoft.com/office/drawing/2014/main" val="4240773277"/>
+                    </a:ext>
+                  </a:extLst>
+                </a:gridCol>
+              </a:tblGrid>
+              <a:tr h="410363">
+                <a:tc>
+                  <a:txBody>
+                    <a:bodyPr/>
+                    <a:lstStyle/>
+                    <a:p>
+                      <a:pPr algn="ctr"/>
+                      <a:r>
+                        <a:rPr lang="en-SG" u="sng" dirty="0"/>
+                        <a:t>ch0:String</a:t>
+                      </a:r>
+                      <a:endParaRPr lang="en-SG" sz="1600" u="sng" dirty="0"/>
+                    </a:p>
+                  </a:txBody>
+                  <a:tcPr>
+                    <a:solidFill>
+                      <a:schemeClr val="accent5">
+                        <a:lumMod val="60000"/>
+                        <a:lumOff val="40000"/>
+                      </a:schemeClr>
+                    </a:solidFill>
+                  </a:tcPr>
+                </a:tc>
+                <a:extLst>
+                  <a:ext uri="{0D108BD9-81ED-4DB2-BD59-A6C34878D82A}">
+                    <a16:rowId xmlns:a16="http://schemas.microsoft.com/office/drawing/2014/main" val="2194462629"/>
+                  </a:ext>
+                </a:extLst>
+              </a:tr>
+            </a:tbl>
+          </a:graphicData>
+        </a:graphic>
+      </p:graphicFrame>
+      <p:graphicFrame>
+        <p:nvGraphicFramePr>
+          <p:cNvPr id="63" name="Table 62">
+            <a:extLst>
+              <a:ext uri="{FF2B5EF4-FFF2-40B4-BE49-F238E27FC236}">
+                <a16:creationId xmlns:a16="http://schemas.microsoft.com/office/drawing/2014/main" id="{CF8670B5-6A56-F74D-9CFC-1252185A2CCD}"/>
+              </a:ext>
+            </a:extLst>
+          </p:cNvPr>
+          <p:cNvGraphicFramePr>
+            <a:graphicFrameLocks noGrp="1"/>
+          </p:cNvGraphicFramePr>
+          <p:nvPr>
+            <p:extLst>
+              <p:ext uri="{D42A27DB-BD31-4B8C-83A1-F6EECF244321}">
+                <p14:modId xmlns:p14="http://schemas.microsoft.com/office/powerpoint/2010/main" val="2291852848"/>
+              </p:ext>
+            </p:extLst>
+          </p:nvPr>
+        </p:nvGraphicFramePr>
+        <p:xfrm>
+          <a:off x="4554439" y="3915767"/>
+          <a:ext cx="1907416" cy="410363"/>
+        </p:xfrm>
+        <a:graphic>
+          <a:graphicData uri="http://schemas.openxmlformats.org/drawingml/2006/table">
+            <a:tbl>
+              <a:tblPr>
+                <a:tableStyleId>{638B1855-1B75-4FBE-930C-398BA8C253C6}</a:tableStyleId>
+              </a:tblPr>
+              <a:tblGrid>
+                <a:gridCol w="1907416">
+                  <a:extLst>
+                    <a:ext uri="{9D8B030D-6E8A-4147-A177-3AD203B41FA5}">
+                      <a16:colId xmlns:a16="http://schemas.microsoft.com/office/drawing/2014/main" val="4240773277"/>
+                    </a:ext>
+                  </a:extLst>
+                </a:gridCol>
+              </a:tblGrid>
+              <a:tr h="410363">
+                <a:tc>
+                  <a:txBody>
+                    <a:bodyPr/>
+                    <a:lstStyle/>
+                    <a:p>
+                      <a:pPr algn="ctr"/>
+                      <a:r>
+                        <a:rPr lang="en-SG" u="sng" dirty="0"/>
+                        <a:t>ch3:String</a:t>
+                      </a:r>
+                      <a:endParaRPr lang="en-SG" sz="1600" u="sng" dirty="0"/>
+                    </a:p>
+                  </a:txBody>
+                  <a:tcPr>
+                    <a:solidFill>
+                      <a:schemeClr val="accent5">
+                        <a:lumMod val="60000"/>
+                        <a:lumOff val="40000"/>
+                      </a:schemeClr>
+                    </a:solidFill>
+                  </a:tcPr>
+                </a:tc>
+                <a:extLst>
+                  <a:ext uri="{0D108BD9-81ED-4DB2-BD59-A6C34878D82A}">
+                    <a16:rowId xmlns:a16="http://schemas.microsoft.com/office/drawing/2014/main" val="2194462629"/>
+                  </a:ext>
+                </a:extLst>
+              </a:tr>
+            </a:tbl>
+          </a:graphicData>
+        </a:graphic>
+      </p:graphicFrame>
+      <p:sp>
+        <p:nvSpPr>
+          <p:cNvPr id="64" name="Rectangle 63">
+            <a:extLst>
+              <a:ext uri="{FF2B5EF4-FFF2-40B4-BE49-F238E27FC236}">
+                <a16:creationId xmlns:a16="http://schemas.microsoft.com/office/drawing/2014/main" id="{717D4AAD-FD4B-7941-9136-F07CE860721E}"/>
+              </a:ext>
+            </a:extLst>
+          </p:cNvPr>
+          <p:cNvSpPr/>
+          <p:nvPr/>
+        </p:nvSpPr>
+        <p:spPr>
+          <a:xfrm>
+            <a:off x="358937" y="573761"/>
+            <a:ext cx="11364686" cy="618187"/>
+          </a:xfrm>
+          <a:prstGeom prst="rect">
+            <a:avLst/>
+          </a:prstGeom>
+          <a:noFill/>
+          <a:ln>
+            <a:solidFill>
+              <a:schemeClr val="tx1"/>
+            </a:solidFill>
+          </a:ln>
+        </p:spPr>
+        <p:style>
+          <a:lnRef idx="2">
+            <a:schemeClr val="accent1">
+              <a:shade val="50000"/>
+            </a:schemeClr>
+          </a:lnRef>
+          <a:fillRef idx="1">
+            <a:schemeClr val="accent1"/>
+          </a:fillRef>
+          <a:effectRef idx="0">
+            <a:schemeClr val="accent1"/>
+          </a:effectRef>
+          <a:fontRef idx="minor">
+            <a:schemeClr val="lt1"/>
+          </a:fontRef>
+        </p:style>
+        <p:txBody>
+          <a:bodyPr rtlCol="0" anchor="ctr"/>
+          <a:lstStyle/>
+          <a:p>
+            <a:pPr algn="ctr"/>
+            <a:endParaRPr lang="en-US"/>
+          </a:p>
+        </p:txBody>
+      </p:sp>
+      <p:graphicFrame>
+        <p:nvGraphicFramePr>
+          <p:cNvPr id="65" name="Table 64">
+            <a:extLst>
+              <a:ext uri="{FF2B5EF4-FFF2-40B4-BE49-F238E27FC236}">
+                <a16:creationId xmlns:a16="http://schemas.microsoft.com/office/drawing/2014/main" id="{7557C2D6-F5CF-E840-AF27-B8A949D4F6D2}"/>
+              </a:ext>
+            </a:extLst>
+          </p:cNvPr>
+          <p:cNvGraphicFramePr>
+            <a:graphicFrameLocks noGrp="1"/>
+          </p:cNvGraphicFramePr>
+          <p:nvPr>
+            <p:extLst>
+              <p:ext uri="{D42A27DB-BD31-4B8C-83A1-F6EECF244321}">
+                <p14:modId xmlns:p14="http://schemas.microsoft.com/office/powerpoint/2010/main" val="496737705"/>
+              </p:ext>
+            </p:extLst>
+          </p:nvPr>
+        </p:nvGraphicFramePr>
+        <p:xfrm>
+          <a:off x="2502369" y="669880"/>
+          <a:ext cx="1907416" cy="410363"/>
+        </p:xfrm>
+        <a:graphic>
+          <a:graphicData uri="http://schemas.openxmlformats.org/drawingml/2006/table">
+            <a:tbl>
+              <a:tblPr>
+                <a:tableStyleId>{638B1855-1B75-4FBE-930C-398BA8C253C6}</a:tableStyleId>
+              </a:tblPr>
+              <a:tblGrid>
+                <a:gridCol w="1907416">
+                  <a:extLst>
+                    <a:ext uri="{9D8B030D-6E8A-4147-A177-3AD203B41FA5}">
+                      <a16:colId xmlns:a16="http://schemas.microsoft.com/office/drawing/2014/main" val="4240773277"/>
+                    </a:ext>
+                  </a:extLst>
+                </a:gridCol>
+              </a:tblGrid>
+              <a:tr h="410363">
+                <a:tc>
+                  <a:txBody>
+                    <a:bodyPr/>
+                    <a:lstStyle/>
+                    <a:p>
+                      <a:pPr algn="ctr"/>
+                      <a:r>
+                        <a:rPr lang="en-SG" u="sng" dirty="0"/>
+                        <a:t>ch1:String</a:t>
+                      </a:r>
+                      <a:endParaRPr lang="en-SG" sz="1600" u="sng" dirty="0"/>
+                    </a:p>
+                  </a:txBody>
+                  <a:tcPr>
+                    <a:solidFill>
+                      <a:schemeClr val="accent5">
+                        <a:lumMod val="60000"/>
+                        <a:lumOff val="40000"/>
+                      </a:schemeClr>
+                    </a:solidFill>
+                  </a:tcPr>
+                </a:tc>
+                <a:extLst>
+                  <a:ext uri="{0D108BD9-81ED-4DB2-BD59-A6C34878D82A}">
+                    <a16:rowId xmlns:a16="http://schemas.microsoft.com/office/drawing/2014/main" val="2194462629"/>
+                  </a:ext>
+                </a:extLst>
+              </a:tr>
+            </a:tbl>
+          </a:graphicData>
+        </a:graphic>
+      </p:graphicFrame>
+      <p:graphicFrame>
+        <p:nvGraphicFramePr>
+          <p:cNvPr id="66" name="Table 65">
+            <a:extLst>
+              <a:ext uri="{FF2B5EF4-FFF2-40B4-BE49-F238E27FC236}">
+                <a16:creationId xmlns:a16="http://schemas.microsoft.com/office/drawing/2014/main" id="{C9C73313-7285-B041-90F0-29736A0F43A5}"/>
+              </a:ext>
+            </a:extLst>
+          </p:cNvPr>
+          <p:cNvGraphicFramePr>
+            <a:graphicFrameLocks noGrp="1"/>
+          </p:cNvGraphicFramePr>
+          <p:nvPr>
+            <p:extLst>
+              <p:ext uri="{D42A27DB-BD31-4B8C-83A1-F6EECF244321}">
+                <p14:modId xmlns:p14="http://schemas.microsoft.com/office/powerpoint/2010/main" val="2506960904"/>
+              </p:ext>
+            </p:extLst>
+          </p:nvPr>
+        </p:nvGraphicFramePr>
+        <p:xfrm>
+          <a:off x="422330" y="663407"/>
+          <a:ext cx="1967027" cy="410363"/>
+        </p:xfrm>
+        <a:graphic>
+          <a:graphicData uri="http://schemas.openxmlformats.org/drawingml/2006/table">
+            <a:tbl>
+              <a:tblPr>
+                <a:tableStyleId>{638B1855-1B75-4FBE-930C-398BA8C253C6}</a:tableStyleId>
+              </a:tblPr>
+              <a:tblGrid>
+                <a:gridCol w="1967027">
+                  <a:extLst>
+                    <a:ext uri="{9D8B030D-6E8A-4147-A177-3AD203B41FA5}">
+                      <a16:colId xmlns:a16="http://schemas.microsoft.com/office/drawing/2014/main" val="4240773277"/>
+                    </a:ext>
+                  </a:extLst>
+                </a:gridCol>
+              </a:tblGrid>
+              <a:tr h="410363">
+                <a:tc>
+                  <a:txBody>
+                    <a:bodyPr/>
+                    <a:lstStyle/>
+                    <a:p>
+                      <a:pPr algn="ctr"/>
+                      <a:r>
+                        <a:rPr lang="en-SG" u="sng" dirty="0"/>
+                        <a:t>ch0:String</a:t>
+                      </a:r>
+                      <a:endParaRPr lang="en-SG" sz="1600" u="sng" dirty="0"/>
+                    </a:p>
+                  </a:txBody>
+                  <a:tcPr>
+                    <a:solidFill>
+                      <a:schemeClr val="accent5">
+                        <a:lumMod val="60000"/>
+                        <a:lumOff val="40000"/>
+                      </a:schemeClr>
+                    </a:solidFill>
+                  </a:tcPr>
+                </a:tc>
+                <a:extLst>
+                  <a:ext uri="{0D108BD9-81ED-4DB2-BD59-A6C34878D82A}">
+                    <a16:rowId xmlns:a16="http://schemas.microsoft.com/office/drawing/2014/main" val="2194462629"/>
+                  </a:ext>
+                </a:extLst>
+              </a:tr>
+            </a:tbl>
+          </a:graphicData>
+        </a:graphic>
+      </p:graphicFrame>
+      <p:graphicFrame>
+        <p:nvGraphicFramePr>
+          <p:cNvPr id="67" name="Table 66">
+            <a:extLst>
+              <a:ext uri="{FF2B5EF4-FFF2-40B4-BE49-F238E27FC236}">
+                <a16:creationId xmlns:a16="http://schemas.microsoft.com/office/drawing/2014/main" id="{E86DC413-B389-6F4E-8AB6-E1D91134BA74}"/>
+              </a:ext>
+            </a:extLst>
+          </p:cNvPr>
+          <p:cNvGraphicFramePr>
+            <a:graphicFrameLocks noGrp="1"/>
+          </p:cNvGraphicFramePr>
+          <p:nvPr>
+            <p:extLst>
+              <p:ext uri="{D42A27DB-BD31-4B8C-83A1-F6EECF244321}">
+                <p14:modId xmlns:p14="http://schemas.microsoft.com/office/powerpoint/2010/main" val="4062440857"/>
+              </p:ext>
+            </p:extLst>
+          </p:nvPr>
+        </p:nvGraphicFramePr>
+        <p:xfrm>
+          <a:off x="4525972" y="677672"/>
+          <a:ext cx="1907416" cy="410363"/>
+        </p:xfrm>
+        <a:graphic>
+          <a:graphicData uri="http://schemas.openxmlformats.org/drawingml/2006/table">
+            <a:tbl>
+              <a:tblPr>
+                <a:tableStyleId>{638B1855-1B75-4FBE-930C-398BA8C253C6}</a:tableStyleId>
+              </a:tblPr>
+              <a:tblGrid>
+                <a:gridCol w="1907416">
+                  <a:extLst>
+                    <a:ext uri="{9D8B030D-6E8A-4147-A177-3AD203B41FA5}">
+                      <a16:colId xmlns:a16="http://schemas.microsoft.com/office/drawing/2014/main" val="4240773277"/>
+                    </a:ext>
+                  </a:extLst>
+                </a:gridCol>
+              </a:tblGrid>
+              <a:tr h="410363">
+                <a:tc>
+                  <a:txBody>
+                    <a:bodyPr/>
+                    <a:lstStyle/>
+                    <a:p>
+                      <a:pPr algn="ctr"/>
+                      <a:r>
+                        <a:rPr lang="en-SG" u="sng" dirty="0"/>
+                        <a:t>ch2:String</a:t>
+                      </a:r>
+                      <a:endParaRPr lang="en-SG" sz="1600" u="sng" dirty="0"/>
+                    </a:p>
+                  </a:txBody>
+                  <a:tcPr>
+                    <a:solidFill>
+                      <a:schemeClr val="accent5">
+                        <a:lumMod val="60000"/>
+                        <a:lumOff val="40000"/>
+                      </a:schemeClr>
+                    </a:solidFill>
+                  </a:tcPr>
+                </a:tc>
+                <a:extLst>
+                  <a:ext uri="{0D108BD9-81ED-4DB2-BD59-A6C34878D82A}">
+                    <a16:rowId xmlns:a16="http://schemas.microsoft.com/office/drawing/2014/main" val="2194462629"/>
+                  </a:ext>
+                </a:extLst>
+              </a:tr>
+            </a:tbl>
+          </a:graphicData>
+        </a:graphic>
+      </p:graphicFrame>
     </p:spTree>
     <p:extLst>
       <p:ext uri="{BB962C8B-B14F-4D97-AF65-F5344CB8AC3E}">
